--- a/intro/1-Theory.pptx
+++ b/intro/1-Theory.pptx
@@ -26883,18 +26883,12 @@
           <a:p>
             <a:pPr lvl="1"/>
             <a:r>
-              <a:rPr lang="en-US" sz="2000">
-                <a:latin typeface="Avenir Next LT Pro"/>
-              </a:rPr>
-              <a:t>Open the google collab notebook via the URL sent to your </a:t>
-            </a:r>
-            <a:r>
               <a:rPr lang="en-US" sz="2000" dirty="0">
                 <a:latin typeface="Avenir Next LT Pro"/>
               </a:rPr>
-              <a:t>email;</a:t>
+              <a:t>Open the google collab notebook via the URL sent to your email;</a:t>
             </a:r>
-            <a:endParaRPr lang="en-US" sz="2000">
+            <a:endParaRPr lang="en-US" sz="2000" dirty="0">
               <a:latin typeface="Avenir Next LT Pro" panose="020B0504020202020204" pitchFamily="34" charset="77"/>
             </a:endParaRPr>
           </a:p>
@@ -26904,9 +26898,9 @@
               <a:rPr lang="en-US" sz="2000" dirty="0">
                 <a:latin typeface="Avenir Next LT Pro"/>
               </a:rPr>
-              <a:t>Press "File" in the menu bar and then "Save a copy in Drive";</a:t>
+              <a:t>Press "File" in the menu bar and then "Save a copy in Drive"</a:t>
             </a:r>
-            <a:endParaRPr lang="en-US" sz="2000">
+            <a:endParaRPr lang="en-US" sz="2000" dirty="0">
               <a:latin typeface="Avenir Next LT Pro" panose="020B0504020202020204" pitchFamily="34" charset="77"/>
             </a:endParaRPr>
           </a:p>
@@ -26993,11 +26987,6 @@
               </a:rPr>
               <a:t>“Solutions” with all text populated</a:t>
             </a:r>
-            <a:endParaRPr lang="en-US" sz="2000">
-              <a:latin typeface="Avenir Next LT Pro"/>
-              <a:ea typeface="+mn-lt"/>
-              <a:cs typeface="+mn-lt"/>
-            </a:endParaRPr>
           </a:p>
           <a:p>
             <a:pPr lvl="1"/>
